--- a/Lectures/CS418-Lecture19-EnvironmentMapping.pptx
+++ b/Lectures/CS418-Lecture19-EnvironmentMapping.pptx
@@ -234,7 +234,7 @@
           <a:p>
             <a:fld id="{564DAAA6-4117-4992-859F-BAA0EB4FC72C}" type="datetimeFigureOut">
               <a:rPr lang="en-US" smtClean="0"/>
-              <a:t>3/27/2018</a:t>
+              <a:t>10/27/2019</a:t>
             </a:fld>
             <a:endParaRPr lang="en-US"/>
           </a:p>
@@ -970,7 +970,7 @@
           <a:p>
             <a:fld id="{CF64A208-0694-964E-93B1-EAF2C4DF2BAD}" type="datetimeFigureOut">
               <a:rPr lang="en-US" smtClean="0"/>
-              <a:t>3/27/2018</a:t>
+              <a:t>10/27/2019</a:t>
             </a:fld>
             <a:endParaRPr lang="en-US"/>
           </a:p>
@@ -1177,7 +1177,7 @@
             <a:fld id="{CF64A208-0694-964E-93B1-EAF2C4DF2BAD}" type="datetimeFigureOut">
               <a:rPr lang="en-US" smtClean="0"/>
               <a:pPr/>
-              <a:t>3/27/2018</a:t>
+              <a:t>10/27/2019</a:t>
             </a:fld>
             <a:endParaRPr lang="en-US" dirty="0"/>
           </a:p>
@@ -1407,7 +1407,7 @@
             <a:fld id="{CF64A208-0694-964E-93B1-EAF2C4DF2BAD}" type="datetimeFigureOut">
               <a:rPr lang="en-US" smtClean="0"/>
               <a:pPr/>
-              <a:t>3/27/2018</a:t>
+              <a:t>10/27/2019</a:t>
             </a:fld>
             <a:endParaRPr lang="en-US" dirty="0"/>
           </a:p>
@@ -1620,7 +1620,7 @@
           <a:p>
             <a:fld id="{CF64A208-0694-964E-93B1-EAF2C4DF2BAD}" type="datetimeFigureOut">
               <a:rPr lang="en-US" smtClean="0"/>
-              <a:t>3/27/2018</a:t>
+              <a:t>10/27/2019</a:t>
             </a:fld>
             <a:endParaRPr lang="en-US"/>
           </a:p>
@@ -1875,7 +1875,7 @@
             <a:fld id="{CF64A208-0694-964E-93B1-EAF2C4DF2BAD}" type="datetimeFigureOut">
               <a:rPr lang="en-US" smtClean="0"/>
               <a:pPr/>
-              <a:t>3/27/2018</a:t>
+              <a:t>10/27/2019</a:t>
             </a:fld>
             <a:endParaRPr lang="en-US" dirty="0"/>
           </a:p>
@@ -2175,7 +2175,7 @@
           <a:p>
             <a:fld id="{CF64A208-0694-964E-93B1-EAF2C4DF2BAD}" type="datetimeFigureOut">
               <a:rPr lang="en-US" smtClean="0"/>
-              <a:t>3/27/2018</a:t>
+              <a:t>10/27/2019</a:t>
             </a:fld>
             <a:endParaRPr lang="en-US"/>
           </a:p>
@@ -2608,7 +2608,7 @@
             <a:fld id="{CF64A208-0694-964E-93B1-EAF2C4DF2BAD}" type="datetimeFigureOut">
               <a:rPr lang="en-US" smtClean="0"/>
               <a:pPr/>
-              <a:t>3/27/2018</a:t>
+              <a:t>10/27/2019</a:t>
             </a:fld>
             <a:endParaRPr lang="en-US" dirty="0"/>
           </a:p>
@@ -2751,7 +2751,7 @@
             <a:fld id="{CF64A208-0694-964E-93B1-EAF2C4DF2BAD}" type="datetimeFigureOut">
               <a:rPr lang="en-US" smtClean="0"/>
               <a:pPr/>
-              <a:t>3/27/2018</a:t>
+              <a:t>10/27/2019</a:t>
             </a:fld>
             <a:endParaRPr lang="en-US" dirty="0"/>
           </a:p>
@@ -2866,7 +2866,7 @@
             <a:fld id="{CF64A208-0694-964E-93B1-EAF2C4DF2BAD}" type="datetimeFigureOut">
               <a:rPr lang="en-US" smtClean="0"/>
               <a:pPr/>
-              <a:t>3/27/2018</a:t>
+              <a:t>10/27/2019</a:t>
             </a:fld>
             <a:endParaRPr lang="en-US" dirty="0"/>
           </a:p>
@@ -3175,7 +3175,7 @@
             <a:fld id="{CF64A208-0694-964E-93B1-EAF2C4DF2BAD}" type="datetimeFigureOut">
               <a:rPr lang="en-US" smtClean="0"/>
               <a:pPr/>
-              <a:t>3/27/2018</a:t>
+              <a:t>10/27/2019</a:t>
             </a:fld>
             <a:endParaRPr lang="en-US" dirty="0"/>
           </a:p>
@@ -3456,7 +3456,7 @@
             <a:fld id="{CF64A208-0694-964E-93B1-EAF2C4DF2BAD}" type="datetimeFigureOut">
               <a:rPr lang="en-US" smtClean="0"/>
               <a:pPr/>
-              <a:t>3/27/2018</a:t>
+              <a:t>10/27/2019</a:t>
             </a:fld>
             <a:endParaRPr lang="en-US" dirty="0"/>
           </a:p>
@@ -3680,7 +3680,7 @@
           <a:p>
             <a:fld id="{CF64A208-0694-964E-93B1-EAF2C4DF2BAD}" type="datetimeFigureOut">
               <a:rPr lang="en-US" smtClean="0"/>
-              <a:t>3/27/2018</a:t>
+              <a:t>10/27/2019</a:t>
             </a:fld>
             <a:endParaRPr lang="en-US"/>
           </a:p>
@@ -5292,7 +5292,7 @@
             </a:ln>
             <a:extLst>
               <a:ext uri="{909E8E84-426E-40dd-AFC4-6F175D3DCCD1}">
-                <a14:hiddenFill xmlns:a14="http://schemas.microsoft.com/office/drawing/2010/main" xmlns="">
+                <a14:hiddenFill xmlns="" xmlns:a14="http://schemas.microsoft.com/office/drawing/2010/main">
                   <a:noFill/>
                 </a14:hiddenFill>
               </a:ext>
@@ -5335,7 +5335,7 @@
             </a:ln>
             <a:extLst>
               <a:ext uri="{909E8E84-426E-40dd-AFC4-6F175D3DCCD1}">
-                <a14:hiddenFill xmlns:a14="http://schemas.microsoft.com/office/drawing/2010/main" xmlns="">
+                <a14:hiddenFill xmlns="" xmlns:a14="http://schemas.microsoft.com/office/drawing/2010/main">
                   <a:solidFill>
                     <a:srgbClr val="FFFFFF"/>
                   </a:solidFill>
@@ -5737,7 +5737,7 @@
             </a:ln>
             <a:extLst>
               <a:ext uri="{909E8E84-426E-40dd-AFC4-6F175D3DCCD1}">
-                <a14:hiddenFill xmlns:a14="http://schemas.microsoft.com/office/drawing/2010/main" xmlns="">
+                <a14:hiddenFill xmlns="" xmlns:a14="http://schemas.microsoft.com/office/drawing/2010/main">
                   <a:noFill/>
                 </a14:hiddenFill>
               </a:ext>
@@ -5774,14 +5774,14 @@
           </a:ln>
           <a:extLst>
             <a:ext uri="{909E8E84-426E-40dd-AFC4-6F175D3DCCD1}">
-              <a14:hiddenFill xmlns:a14="http://schemas.microsoft.com/office/drawing/2010/main" xmlns="">
+              <a14:hiddenFill xmlns="" xmlns:a14="http://schemas.microsoft.com/office/drawing/2010/main">
                 <a:solidFill>
                   <a:srgbClr val="FFFFFF"/>
                 </a:solidFill>
               </a14:hiddenFill>
             </a:ext>
             <a:ext uri="{91240B29-F687-4f45-9708-019B960494DF}">
-              <a14:hiddenLine xmlns:a14="http://schemas.microsoft.com/office/drawing/2010/main" xmlns="" w="12700">
+              <a14:hiddenLine xmlns="" xmlns:a14="http://schemas.microsoft.com/office/drawing/2010/main" w="12700">
                 <a:solidFill>
                   <a:srgbClr val="000000"/>
                 </a:solidFill>
@@ -5934,14 +5934,14 @@
           </a:ln>
           <a:extLst>
             <a:ext uri="{909E8E84-426E-40dd-AFC4-6F175D3DCCD1}">
-              <a14:hiddenFill xmlns:a14="http://schemas.microsoft.com/office/drawing/2010/main" xmlns="">
+              <a14:hiddenFill xmlns="" xmlns:a14="http://schemas.microsoft.com/office/drawing/2010/main">
                 <a:solidFill>
                   <a:srgbClr val="FFFFFF"/>
                 </a:solidFill>
               </a14:hiddenFill>
             </a:ext>
             <a:ext uri="{91240B29-F687-4f45-9708-019B960494DF}">
-              <a14:hiddenLine xmlns:a14="http://schemas.microsoft.com/office/drawing/2010/main" xmlns="" w="12700">
+              <a14:hiddenLine xmlns="" xmlns:a14="http://schemas.microsoft.com/office/drawing/2010/main" w="12700">
                 <a:solidFill>
                   <a:srgbClr val="000000"/>
                 </a:solidFill>
@@ -6094,14 +6094,14 @@
           </a:ln>
           <a:extLst>
             <a:ext uri="{909E8E84-426E-40dd-AFC4-6F175D3DCCD1}">
-              <a14:hiddenFill xmlns:a14="http://schemas.microsoft.com/office/drawing/2010/main" xmlns="">
+              <a14:hiddenFill xmlns="" xmlns:a14="http://schemas.microsoft.com/office/drawing/2010/main">
                 <a:solidFill>
                   <a:srgbClr val="FFFFFF"/>
                 </a:solidFill>
               </a14:hiddenFill>
             </a:ext>
             <a:ext uri="{91240B29-F687-4f45-9708-019B960494DF}">
-              <a14:hiddenLine xmlns:a14="http://schemas.microsoft.com/office/drawing/2010/main" xmlns="" w="12700">
+              <a14:hiddenLine xmlns="" xmlns:a14="http://schemas.microsoft.com/office/drawing/2010/main" w="12700">
                 <a:solidFill>
                   <a:srgbClr val="000000"/>
                 </a:solidFill>
@@ -7166,14 +7166,14 @@
           <a:ln/>
           <a:extLst>
             <a:ext uri="{909E8E84-426E-40dd-AFC4-6F175D3DCCD1}">
-              <a14:hiddenFill xmlns:a14="http://schemas.microsoft.com/office/drawing/2010/main" xmlns="">
+              <a14:hiddenFill xmlns="" xmlns:a14="http://schemas.microsoft.com/office/drawing/2010/main">
                 <a:solidFill>
                   <a:srgbClr val="FFFFFF"/>
                 </a:solidFill>
               </a14:hiddenFill>
             </a:ext>
             <a:ext uri="{91240B29-F687-4f45-9708-019B960494DF}">
-              <a14:hiddenLine xmlns:a14="http://schemas.microsoft.com/office/drawing/2010/main" xmlns="" w="9525">
+              <a14:hiddenLine xmlns="" xmlns:a14="http://schemas.microsoft.com/office/drawing/2010/main" w="9525">
                 <a:solidFill>
                   <a:srgbClr val="000000"/>
                 </a:solidFill>
@@ -7577,14 +7577,14 @@
           <a:ln/>
           <a:extLst>
             <a:ext uri="{909E8E84-426E-40dd-AFC4-6F175D3DCCD1}">
-              <a14:hiddenFill xmlns:a14="http://schemas.microsoft.com/office/drawing/2010/main" xmlns="">
+              <a14:hiddenFill xmlns="" xmlns:a14="http://schemas.microsoft.com/office/drawing/2010/main">
                 <a:solidFill>
                   <a:srgbClr val="FFFFFF"/>
                 </a:solidFill>
               </a14:hiddenFill>
             </a:ext>
             <a:ext uri="{91240B29-F687-4f45-9708-019B960494DF}">
-              <a14:hiddenLine xmlns:a14="http://schemas.microsoft.com/office/drawing/2010/main" xmlns="" w="9525">
+              <a14:hiddenLine xmlns="" xmlns:a14="http://schemas.microsoft.com/office/drawing/2010/main" w="9525">
                 <a:solidFill>
                   <a:srgbClr val="000000"/>
                 </a:solidFill>
@@ -7742,14 +7742,14 @@
           </a:ln>
           <a:extLst>
             <a:ext uri="{909E8E84-426E-40dd-AFC4-6F175D3DCCD1}">
-              <a14:hiddenFill xmlns:a14="http://schemas.microsoft.com/office/drawing/2010/main" xmlns="">
+              <a14:hiddenFill xmlns="" xmlns:a14="http://schemas.microsoft.com/office/drawing/2010/main">
                 <a:solidFill>
                   <a:srgbClr val="FFFFFF"/>
                 </a:solidFill>
               </a14:hiddenFill>
             </a:ext>
             <a:ext uri="{91240B29-F687-4f45-9708-019B960494DF}">
-              <a14:hiddenLine xmlns:a14="http://schemas.microsoft.com/office/drawing/2010/main" xmlns="" w="9525">
+              <a14:hiddenLine xmlns="" xmlns:a14="http://schemas.microsoft.com/office/drawing/2010/main" w="9525">
                 <a:solidFill>
                   <a:srgbClr val="000000"/>
                 </a:solidFill>
@@ -8225,14 +8225,14 @@
           <a:ln/>
           <a:extLst>
             <a:ext uri="{909E8E84-426E-40dd-AFC4-6F175D3DCCD1}">
-              <a14:hiddenFill xmlns:a14="http://schemas.microsoft.com/office/drawing/2010/main" xmlns="">
+              <a14:hiddenFill xmlns="" xmlns:a14="http://schemas.microsoft.com/office/drawing/2010/main">
                 <a:solidFill>
                   <a:srgbClr val="FFFFFF"/>
                 </a:solidFill>
               </a14:hiddenFill>
             </a:ext>
             <a:ext uri="{91240B29-F687-4f45-9708-019B960494DF}">
-              <a14:hiddenLine xmlns:a14="http://schemas.microsoft.com/office/drawing/2010/main" xmlns="" w="9525">
+              <a14:hiddenLine xmlns="" xmlns:a14="http://schemas.microsoft.com/office/drawing/2010/main" w="9525">
                 <a:solidFill>
                   <a:srgbClr val="000000"/>
                 </a:solidFill>
@@ -8390,14 +8390,14 @@
           </a:ln>
           <a:extLst>
             <a:ext uri="{909E8E84-426E-40dd-AFC4-6F175D3DCCD1}">
-              <a14:hiddenFill xmlns:a14="http://schemas.microsoft.com/office/drawing/2010/main" xmlns="">
+              <a14:hiddenFill xmlns="" xmlns:a14="http://schemas.microsoft.com/office/drawing/2010/main">
                 <a:solidFill>
                   <a:srgbClr val="FFFFFF"/>
                 </a:solidFill>
               </a14:hiddenFill>
             </a:ext>
             <a:ext uri="{91240B29-F687-4f45-9708-019B960494DF}">
-              <a14:hiddenLine xmlns:a14="http://schemas.microsoft.com/office/drawing/2010/main" xmlns="" w="9525">
+              <a14:hiddenLine xmlns="" xmlns:a14="http://schemas.microsoft.com/office/drawing/2010/main" w="9525">
                 <a:solidFill>
                   <a:srgbClr val="000000"/>
                 </a:solidFill>
@@ -8882,14 +8882,14 @@
           <a:ln/>
           <a:extLst>
             <a:ext uri="{909E8E84-426E-40dd-AFC4-6F175D3DCCD1}">
-              <a14:hiddenFill xmlns:a14="http://schemas.microsoft.com/office/drawing/2010/main" xmlns="">
+              <a14:hiddenFill xmlns="" xmlns:a14="http://schemas.microsoft.com/office/drawing/2010/main">
                 <a:solidFill>
                   <a:srgbClr val="FFFFFF"/>
                 </a:solidFill>
               </a14:hiddenFill>
             </a:ext>
             <a:ext uri="{91240B29-F687-4f45-9708-019B960494DF}">
-              <a14:hiddenLine xmlns:a14="http://schemas.microsoft.com/office/drawing/2010/main" xmlns="" w="9525">
+              <a14:hiddenLine xmlns="" xmlns:a14="http://schemas.microsoft.com/office/drawing/2010/main" w="9525">
                 <a:solidFill>
                   <a:srgbClr val="000000"/>
                 </a:solidFill>
@@ -9649,75 +9649,321 @@
           </p:cNvPicPr>
           <p:nvPr/>
         </p:nvPicPr>
+        <p:blipFill rotWithShape="1">
+          <a:blip r:embed="rId2"/>
+          <a:srcRect b="68375"/>
+          <a:stretch/>
+        </p:blipFill>
+        <p:spPr>
+          <a:xfrm>
+            <a:off x="335166" y="1406551"/>
+            <a:ext cx="6591262" cy="1479524"/>
+          </a:xfrm>
+          <a:prstGeom prst="rect">
+            <a:avLst/>
+          </a:prstGeom>
+        </p:spPr>
+      </p:pic>
+      <p:sp>
+        <p:nvSpPr>
+          <p:cNvPr id="3" name="TextBox 2"/>
+          <p:cNvSpPr txBox="1"/>
+          <p:nvPr/>
+        </p:nvSpPr>
+        <p:spPr>
+          <a:xfrm>
+            <a:off x="7924800" y="121029"/>
+            <a:ext cx="4114799" cy="3139321"/>
+          </a:xfrm>
+          <a:prstGeom prst="rect">
+            <a:avLst/>
+          </a:prstGeom>
+          <a:noFill/>
+          <a:ln>
+            <a:solidFill>
+              <a:schemeClr val="tx1"/>
+            </a:solidFill>
+          </a:ln>
+        </p:spPr>
+        <p:txBody>
+          <a:bodyPr wrap="square" rtlCol="0">
+            <a:spAutoFit/>
+          </a:bodyPr>
+          <a:lstStyle/>
+          <a:p>
+            <a:r>
+              <a:rPr lang="en-US" dirty="0"/>
+              <a:t>In GLSL, the </a:t>
+            </a:r>
+            <a:r>
+              <a:rPr lang="en-US" b="1" dirty="0">
+                <a:latin typeface="Courier New" panose="02070309020205020404" pitchFamily="49" charset="0"/>
+                <a:cs typeface="Courier New" panose="02070309020205020404" pitchFamily="49" charset="0"/>
+              </a:rPr>
+              <a:t>refract</a:t>
+            </a:r>
+            <a:r>
+              <a:rPr lang="en-US" dirty="0"/>
+              <a:t> function expects the index of refraction to be specified as c1/c2 where:</a:t>
+            </a:r>
+          </a:p>
+          <a:p>
+            <a:endParaRPr lang="en-US" dirty="0"/>
+          </a:p>
+          <a:p>
+            <a:r>
+              <a:rPr lang="en-US" dirty="0"/>
+              <a:t>C1 is the index of the outside medium</a:t>
+            </a:r>
+          </a:p>
+          <a:p>
+            <a:r>
+              <a:rPr lang="en-US" dirty="0"/>
+              <a:t>C2 is the index of the inside medium</a:t>
+            </a:r>
+          </a:p>
+          <a:p>
+            <a:endParaRPr lang="en-US" dirty="0"/>
+          </a:p>
+          <a:p>
+            <a:r>
+              <a:rPr lang="en-US" dirty="0"/>
+              <a:t>So, to go from air to water you would call:</a:t>
+            </a:r>
+          </a:p>
+          <a:p>
+            <a:r>
+              <a:rPr lang="en-US" b="1" dirty="0">
+                <a:latin typeface="Courier New" panose="02070309020205020404" pitchFamily="49" charset="0"/>
+                <a:cs typeface="Courier New" panose="02070309020205020404" pitchFamily="49" charset="0"/>
+              </a:rPr>
+              <a:t>T=refract(V,N, 1.00/1.33)</a:t>
+            </a:r>
+          </a:p>
+          <a:p>
+            <a:endParaRPr lang="en-US" dirty="0"/>
+          </a:p>
+          <a:p>
+            <a:endParaRPr lang="en-US" dirty="0"/>
+          </a:p>
+        </p:txBody>
+      </p:sp>
+      <p:pic>
+        <p:nvPicPr>
+          <p:cNvPr id="5" name="Picture 4">
+            <a:extLst>
+              <a:ext uri="{FF2B5EF4-FFF2-40B4-BE49-F238E27FC236}">
+                <a16:creationId xmlns:a16="http://schemas.microsoft.com/office/drawing/2014/main" id="{A90411B8-ACCE-453D-9EB1-3675DD87C3CE}"/>
+              </a:ext>
+            </a:extLst>
+          </p:cNvPr>
+          <p:cNvPicPr>
+            <a:picLocks noChangeAspect="1"/>
+          </p:cNvPicPr>
+          <p:nvPr/>
+        </p:nvPicPr>
         <p:blipFill>
-          <a:blip r:embed="rId2"/>
+          <a:blip r:embed="rId3"/>
           <a:stretch>
             <a:fillRect/>
           </a:stretch>
         </p:blipFill>
         <p:spPr>
           <a:xfrm>
-            <a:off x="497091" y="1406551"/>
-            <a:ext cx="6591262" cy="4678374"/>
+            <a:off x="716304" y="3337377"/>
+            <a:ext cx="2724150" cy="2809875"/>
           </a:xfrm>
           <a:prstGeom prst="rect">
             <a:avLst/>
           </a:prstGeom>
         </p:spPr>
       </p:pic>
-      <p:sp>
-        <p:nvSpPr>
-          <p:cNvPr id="3" name="TextBox 2"/>
-          <p:cNvSpPr txBox="1"/>
-          <p:nvPr/>
-        </p:nvSpPr>
-        <p:spPr>
-          <a:xfrm>
-            <a:off x="7498081" y="2423160"/>
-            <a:ext cx="2543493" cy="3416320"/>
-          </a:xfrm>
-          <a:prstGeom prst="rect">
-            <a:avLst/>
-          </a:prstGeom>
-          <a:noFill/>
-        </p:spPr>
-        <p:txBody>
-          <a:bodyPr wrap="square" rtlCol="0">
-            <a:spAutoFit/>
-          </a:bodyPr>
-          <a:lstStyle/>
-          <a:p>
-            <a:r>
-              <a:rPr lang="en-US" dirty="0"/>
-              <a:t>In GLSL, the refract function expects the index of refraction to be specified as c1/c2 where:</a:t>
-            </a:r>
-          </a:p>
-          <a:p>
-            <a:endParaRPr lang="en-US" dirty="0"/>
-          </a:p>
-          <a:p>
-            <a:r>
-              <a:rPr lang="en-US" dirty="0"/>
-              <a:t>C1 is the outside medium</a:t>
-            </a:r>
-          </a:p>
-          <a:p>
-            <a:r>
-              <a:rPr lang="en-US" dirty="0"/>
-              <a:t>C2 is the inside medium</a:t>
-            </a:r>
-          </a:p>
-          <a:p>
-            <a:endParaRPr lang="en-US" dirty="0"/>
-          </a:p>
-          <a:p>
-            <a:r>
-              <a:rPr lang="en-US" dirty="0"/>
-              <a:t>So to go from air to glass you would use 99.97/52.2</a:t>
-            </a:r>
-          </a:p>
-        </p:txBody>
-      </p:sp>
+      <mc:AlternateContent xmlns:mc="http://schemas.openxmlformats.org/markup-compatibility/2006">
+        <mc:Choice xmlns:a14="http://schemas.microsoft.com/office/drawing/2010/main" Requires="a14">
+          <p:sp>
+            <p:nvSpPr>
+              <p:cNvPr id="6" name="TextBox 5">
+                <a:extLst>
+                  <a:ext uri="{FF2B5EF4-FFF2-40B4-BE49-F238E27FC236}">
+                    <a16:creationId xmlns:a16="http://schemas.microsoft.com/office/drawing/2014/main" id="{DAF0B723-46CB-484B-B625-D556B00E7B21}"/>
+                  </a:ext>
+                </a:extLst>
+              </p:cNvPr>
+              <p:cNvSpPr txBox="1"/>
+              <p:nvPr/>
+            </p:nvSpPr>
+            <p:spPr>
+              <a:xfrm>
+                <a:off x="4340506" y="3429000"/>
+                <a:ext cx="4004841" cy="3004349"/>
+              </a:xfrm>
+              <a:prstGeom prst="rect">
+                <a:avLst/>
+              </a:prstGeom>
+              <a:noFill/>
+            </p:spPr>
+            <p:txBody>
+              <a:bodyPr wrap="square" rtlCol="0">
+                <a:spAutoFit/>
+              </a:bodyPr>
+              <a:lstStyle/>
+              <a:p>
+                <a:r>
+                  <a:rPr lang="en-US" dirty="0"/>
+                  <a:t>The refractive index of a material is the ratio of the speed of in a vacuum to the speed of light in the medium.</a:t>
+                </a:r>
+                <a:br>
+                  <a:rPr lang="en-US" dirty="0"/>
+                </a:br>
+                <a:br>
+                  <a:rPr lang="en-US" dirty="0"/>
+                </a:br>
+                <a:r>
+                  <a:rPr lang="en-US" dirty="0"/>
+                  <a:t>For example, the speed of light through water is about ¾ the speed of light in  vacuum so we have:</a:t>
+                </a:r>
+                <a:br>
+                  <a:rPr lang="en-US" dirty="0"/>
+                </a:br>
+                <a:br>
+                  <a:rPr lang="en-US" dirty="0"/>
+                </a:br>
+                <a14:m>
+                  <m:oMathPara xmlns:m="http://schemas.openxmlformats.org/officeDocument/2006/math">
+                    <m:oMathParaPr>
+                      <m:jc m:val="centerGroup"/>
+                    </m:oMathParaPr>
+                    <m:oMath xmlns:m="http://schemas.openxmlformats.org/officeDocument/2006/math">
+                      <m:r>
+                        <a:rPr lang="en-US" i="1" smtClean="0">
+                          <a:latin typeface="Cambria Math" panose="02040503050406030204" pitchFamily="18" charset="0"/>
+                          <a:ea typeface="Cambria Math" panose="02040503050406030204" pitchFamily="18" charset="0"/>
+                        </a:rPr>
+                        <m:t>𝜂</m:t>
+                      </m:r>
+                      <m:r>
+                        <a:rPr lang="en-US" b="0" i="1" smtClean="0">
+                          <a:latin typeface="Cambria Math" panose="02040503050406030204" pitchFamily="18" charset="0"/>
+                          <a:ea typeface="Cambria Math" panose="02040503050406030204" pitchFamily="18" charset="0"/>
+                        </a:rPr>
+                        <m:t>=</m:t>
+                      </m:r>
+                      <m:f>
+                        <m:fPr>
+                          <m:ctrlPr>
+                            <a:rPr lang="en-US" b="0" i="1" smtClean="0">
+                              <a:latin typeface="Cambria Math" panose="02040503050406030204" pitchFamily="18" charset="0"/>
+                              <a:ea typeface="Cambria Math" panose="02040503050406030204" pitchFamily="18" charset="0"/>
+                            </a:rPr>
+                          </m:ctrlPr>
+                        </m:fPr>
+                        <m:num>
+                          <m:r>
+                            <a:rPr lang="en-US" b="0" i="1" smtClean="0">
+                              <a:latin typeface="Cambria Math" panose="02040503050406030204" pitchFamily="18" charset="0"/>
+                              <a:ea typeface="Cambria Math" panose="02040503050406030204" pitchFamily="18" charset="0"/>
+                            </a:rPr>
+                            <m:t>𝑐</m:t>
+                          </m:r>
+                        </m:num>
+                        <m:den>
+                          <m:f>
+                            <m:fPr>
+                              <m:ctrlPr>
+                                <a:rPr lang="en-US" b="0" i="1" smtClean="0">
+                                  <a:latin typeface="Cambria Math" panose="02040503050406030204" pitchFamily="18" charset="0"/>
+                                  <a:ea typeface="Cambria Math" panose="02040503050406030204" pitchFamily="18" charset="0"/>
+                                </a:rPr>
+                              </m:ctrlPr>
+                            </m:fPr>
+                            <m:num>
+                              <m:r>
+                                <a:rPr lang="en-US" b="0" i="1" smtClean="0">
+                                  <a:latin typeface="Cambria Math" panose="02040503050406030204" pitchFamily="18" charset="0"/>
+                                  <a:ea typeface="Cambria Math" panose="02040503050406030204" pitchFamily="18" charset="0"/>
+                                </a:rPr>
+                                <m:t>3</m:t>
+                              </m:r>
+                              <m:r>
+                                <a:rPr lang="en-US" b="0" i="1" smtClean="0">
+                                  <a:latin typeface="Cambria Math" panose="02040503050406030204" pitchFamily="18" charset="0"/>
+                                  <a:ea typeface="Cambria Math" panose="02040503050406030204" pitchFamily="18" charset="0"/>
+                                </a:rPr>
+                                <m:t>𝑐</m:t>
+                              </m:r>
+                            </m:num>
+                            <m:den>
+                              <m:r>
+                                <a:rPr lang="en-US" b="0" i="1" smtClean="0">
+                                  <a:latin typeface="Cambria Math" panose="02040503050406030204" pitchFamily="18" charset="0"/>
+                                  <a:ea typeface="Cambria Math" panose="02040503050406030204" pitchFamily="18" charset="0"/>
+                                </a:rPr>
+                                <m:t>4</m:t>
+                              </m:r>
+                            </m:den>
+                          </m:f>
+                        </m:den>
+                      </m:f>
+                      <m:r>
+                        <a:rPr lang="en-US" b="0" i="1" smtClean="0">
+                          <a:latin typeface="Cambria Math" panose="02040503050406030204" pitchFamily="18" charset="0"/>
+                          <a:ea typeface="Cambria Math" panose="02040503050406030204" pitchFamily="18" charset="0"/>
+                        </a:rPr>
+                        <m:t>≈1.33</m:t>
+                      </m:r>
+                    </m:oMath>
+                  </m:oMathPara>
+                </a14:m>
+                <a:endParaRPr lang="en-US" dirty="0"/>
+              </a:p>
+            </p:txBody>
+          </p:sp>
+        </mc:Choice>
+        <mc:Fallback>
+          <p:sp>
+            <p:nvSpPr>
+              <p:cNvPr id="6" name="TextBox 5">
+                <a:extLst>
+                  <a:ext uri="{FF2B5EF4-FFF2-40B4-BE49-F238E27FC236}">
+                    <a16:creationId xmlns:a16="http://schemas.microsoft.com/office/drawing/2014/main" id="{DAF0B723-46CB-484B-B625-D556B00E7B21}"/>
+                  </a:ext>
+                </a:extLst>
+              </p:cNvPr>
+              <p:cNvSpPr txBox="1">
+                <a:spLocks noRot="1" noChangeAspect="1" noMove="1" noResize="1" noEditPoints="1" noAdjustHandles="1" noChangeArrowheads="1" noChangeShapeType="1" noTextEdit="1"/>
+              </p:cNvSpPr>
+              <p:nvPr/>
+            </p:nvSpPr>
+            <p:spPr>
+              <a:xfrm>
+                <a:off x="4340506" y="3429000"/>
+                <a:ext cx="4004841" cy="3004349"/>
+              </a:xfrm>
+              <a:prstGeom prst="rect">
+                <a:avLst/>
+              </a:prstGeom>
+              <a:blipFill>
+                <a:blip r:embed="rId4"/>
+                <a:stretch>
+                  <a:fillRect l="-1218" t="-1220"/>
+                </a:stretch>
+              </a:blipFill>
+            </p:spPr>
+            <p:txBody>
+              <a:bodyPr/>
+              <a:lstStyle/>
+              <a:p>
+                <a:r>
+                  <a:rPr lang="en-US">
+                    <a:noFill/>
+                  </a:rPr>
+                  <a:t> </a:t>
+                </a:r>
+              </a:p>
+            </p:txBody>
+          </p:sp>
+        </mc:Fallback>
+      </mc:AlternateContent>
     </p:spTree>
     <p:extLst>
       <p:ext uri="{BB962C8B-B14F-4D97-AF65-F5344CB8AC3E}">
@@ -10904,14 +11150,14 @@
           </a:prstGeom>
           <a:extLst>
             <a:ext uri="{909E8E84-426E-40dd-AFC4-6F175D3DCCD1}">
-              <a14:hiddenFill xmlns="" xmlns:a14="http://schemas.microsoft.com/office/drawing/2010/main">
+              <a14:hiddenFill xmlns:a14="http://schemas.microsoft.com/office/drawing/2010/main" xmlns="">
                 <a:solidFill>
                   <a:srgbClr val="FFFFFF"/>
                 </a:solidFill>
               </a14:hiddenFill>
             </a:ext>
             <a:ext uri="{91240B29-F687-4f45-9708-019B960494DF}">
-              <a14:hiddenLine xmlns="" xmlns:a14="http://schemas.microsoft.com/office/drawing/2010/main" w="9525">
+              <a14:hiddenLine xmlns:a14="http://schemas.microsoft.com/office/drawing/2010/main" xmlns="" w="9525">
                 <a:solidFill>
                   <a:srgbClr val="000000"/>
                 </a:solidFill>
@@ -11055,7 +11301,7 @@
                   <a:spcPts val="600"/>
                 </a:spcAft>
               </a:pPr>
-              <a:t>3</a:t>
+              <a:t>5</a:t>
             </a:fld>
             <a:endParaRPr lang="en-US" sz="1200">
               <a:solidFill>
@@ -11643,14 +11889,14 @@
           <a:ln/>
           <a:extLst>
             <a:ext uri="{909E8E84-426E-40dd-AFC4-6F175D3DCCD1}">
-              <a14:hiddenFill xmlns:a14="http://schemas.microsoft.com/office/drawing/2010/main" xmlns="">
+              <a14:hiddenFill xmlns="" xmlns:a14="http://schemas.microsoft.com/office/drawing/2010/main">
                 <a:solidFill>
                   <a:srgbClr val="FFFFFF"/>
                 </a:solidFill>
               </a14:hiddenFill>
             </a:ext>
             <a:ext uri="{91240B29-F687-4f45-9708-019B960494DF}">
-              <a14:hiddenLine xmlns:a14="http://schemas.microsoft.com/office/drawing/2010/main" xmlns="" w="9525">
+              <a14:hiddenLine xmlns="" xmlns:a14="http://schemas.microsoft.com/office/drawing/2010/main" w="9525">
                 <a:solidFill>
                   <a:srgbClr val="000000"/>
                 </a:solidFill>
